--- a/database/5-1강 mysqlDataType.pptx
+++ b/database/5-1강 mysqlDataType.pptx
@@ -11,6 +11,9 @@
     <p:sldId id="406" r:id="rId5"/>
     <p:sldId id="407" r:id="rId6"/>
     <p:sldId id="408" r:id="rId7"/>
+    <p:sldId id="409" r:id="rId8"/>
+    <p:sldId id="410" r:id="rId9"/>
+    <p:sldId id="412" r:id="rId10"/>
   </p:sldIdLst>
   <p:sldSz cx="12192000" cy="6858000"/>
   <p:notesSz cx="6858000" cy="9144000"/>
@@ -123,6 +126,9 @@
             <p14:sldId id="406"/>
             <p14:sldId id="407"/>
             <p14:sldId id="408"/>
+            <p14:sldId id="409"/>
+            <p14:sldId id="410"/>
+            <p14:sldId id="412"/>
           </p14:sldIdLst>
         </p14:section>
       </p14:sectionLst>
@@ -299,7 +305,7 @@
                 </a:solidFill>
               </a:rPr>
               <a:pPr/>
-              <a:t>2022-06-02</a:t>
+              <a:t>2022-06-03</a:t>
             </a:fld>
             <a:endParaRPr lang="ko-KR" altLang="en-US">
               <a:solidFill>
@@ -529,7 +535,7 @@
                 </a:solidFill>
               </a:rPr>
               <a:pPr/>
-              <a:t>2022-06-02</a:t>
+              <a:t>2022-06-03</a:t>
             </a:fld>
             <a:endParaRPr lang="ko-KR" altLang="en-US">
               <a:solidFill>
@@ -769,7 +775,7 @@
                 </a:solidFill>
               </a:rPr>
               <a:pPr/>
-              <a:t>2022-06-02</a:t>
+              <a:t>2022-06-03</a:t>
             </a:fld>
             <a:endParaRPr lang="ko-KR" altLang="en-US">
               <a:solidFill>
@@ -1001,7 +1007,7 @@
                 <a:latin typeface="맑은 고딕" charset="0"/>
                 <a:ea typeface="맑은 고딕" charset="0"/>
               </a:rPr>
-              <a:t>2022-06-02</a:t>
+              <a:t>2022-06-03</a:t>
             </a:fld>
             <a:endParaRPr lang="ko-KR" altLang="en-US">
               <a:solidFill>
@@ -1280,7 +1286,7 @@
                 <a:latin typeface="맑은 고딕" charset="0"/>
                 <a:ea typeface="맑은 고딕" charset="0"/>
               </a:rPr>
-              <a:t>2022-06-02</a:t>
+              <a:t>2022-06-03</a:t>
             </a:fld>
             <a:endParaRPr lang="ko-KR" altLang="en-US">
               <a:solidFill>
@@ -1522,7 +1528,7 @@
                 <a:latin typeface="맑은 고딕" charset="0"/>
                 <a:ea typeface="맑은 고딕" charset="0"/>
               </a:rPr>
-              <a:t>2022-06-02</a:t>
+              <a:t>2022-06-03</a:t>
             </a:fld>
             <a:endParaRPr lang="ko-KR" altLang="en-US">
               <a:solidFill>
@@ -1877,7 +1883,7 @@
                 <a:latin typeface="맑은 고딕" charset="0"/>
                 <a:ea typeface="맑은 고딕" charset="0"/>
               </a:rPr>
-              <a:t>2022-06-02</a:t>
+              <a:t>2022-06-03</a:t>
             </a:fld>
             <a:endParaRPr lang="ko-KR" altLang="en-US">
               <a:solidFill>
@@ -2310,7 +2316,7 @@
                 <a:latin typeface="맑은 고딕" charset="0"/>
                 <a:ea typeface="맑은 고딕" charset="0"/>
               </a:rPr>
-              <a:t>2022-06-02</a:t>
+              <a:t>2022-06-03</a:t>
             </a:fld>
             <a:endParaRPr lang="ko-KR" altLang="en-US">
               <a:solidFill>
@@ -2513,7 +2519,7 @@
                 <a:latin typeface="맑은 고딕" charset="0"/>
                 <a:ea typeface="맑은 고딕" charset="0"/>
               </a:rPr>
-              <a:t>2022-06-02</a:t>
+              <a:t>2022-06-03</a:t>
             </a:fld>
             <a:endParaRPr lang="ko-KR" altLang="en-US">
               <a:solidFill>
@@ -2677,7 +2683,7 @@
                 <a:latin typeface="맑은 고딕" charset="0"/>
                 <a:ea typeface="맑은 고딕" charset="0"/>
               </a:rPr>
-              <a:t>2022-06-02</a:t>
+              <a:t>2022-06-03</a:t>
             </a:fld>
             <a:endParaRPr lang="ko-KR" altLang="en-US">
               <a:solidFill>
@@ -2995,7 +3001,7 @@
                 <a:latin typeface="맑은 고딕" charset="0"/>
                 <a:ea typeface="맑은 고딕" charset="0"/>
               </a:rPr>
-              <a:t>2022-06-02</a:t>
+              <a:t>2022-06-03</a:t>
             </a:fld>
             <a:endParaRPr lang="ko-KR" altLang="en-US">
               <a:solidFill>
@@ -3235,7 +3241,7 @@
                 </a:solidFill>
               </a:rPr>
               <a:pPr/>
-              <a:t>2022-06-02</a:t>
+              <a:t>2022-06-03</a:t>
             </a:fld>
             <a:endParaRPr lang="ko-KR" altLang="en-US">
               <a:solidFill>
@@ -3487,7 +3493,7 @@
                 <a:latin typeface="맑은 고딕" charset="0"/>
                 <a:ea typeface="맑은 고딕" charset="0"/>
               </a:rPr>
-              <a:t>2022-06-02</a:t>
+              <a:t>2022-06-03</a:t>
             </a:fld>
             <a:endParaRPr lang="ko-KR" altLang="en-US">
               <a:solidFill>
@@ -3766,7 +3772,7 @@
                 <a:latin typeface="맑은 고딕" charset="0"/>
                 <a:ea typeface="맑은 고딕" charset="0"/>
               </a:rPr>
-              <a:t>2022-06-02</a:t>
+              <a:t>2022-06-03</a:t>
             </a:fld>
             <a:endParaRPr lang="ko-KR" altLang="en-US">
               <a:solidFill>
@@ -4045,7 +4051,7 @@
                 <a:latin typeface="맑은 고딕" charset="0"/>
                 <a:ea typeface="맑은 고딕" charset="0"/>
               </a:rPr>
-              <a:t>2022-06-02</a:t>
+              <a:t>2022-06-03</a:t>
             </a:fld>
             <a:endParaRPr lang="ko-KR" altLang="en-US">
               <a:solidFill>
@@ -4362,7 +4368,7 @@
                 </a:solidFill>
               </a:rPr>
               <a:pPr/>
-              <a:t>2022-06-02</a:t>
+              <a:t>2022-06-03</a:t>
             </a:fld>
             <a:endParaRPr lang="ko-KR" altLang="en-US">
               <a:solidFill>
@@ -4659,7 +4665,7 @@
                 </a:solidFill>
               </a:rPr>
               <a:pPr/>
-              <a:t>2022-06-02</a:t>
+              <a:t>2022-06-03</a:t>
             </a:fld>
             <a:endParaRPr lang="ko-KR" altLang="en-US">
               <a:solidFill>
@@ -5103,7 +5109,7 @@
                 </a:solidFill>
               </a:rPr>
               <a:pPr/>
-              <a:t>2022-06-02</a:t>
+              <a:t>2022-06-03</a:t>
             </a:fld>
             <a:endParaRPr lang="ko-KR" altLang="en-US">
               <a:solidFill>
@@ -5276,7 +5282,7 @@
                 </a:solidFill>
               </a:rPr>
               <a:pPr/>
-              <a:t>2022-06-02</a:t>
+              <a:t>2022-06-03</a:t>
             </a:fld>
             <a:endParaRPr lang="ko-KR" altLang="en-US">
               <a:solidFill>
@@ -5421,7 +5427,7 @@
                 </a:solidFill>
               </a:rPr>
               <a:pPr/>
-              <a:t>2022-06-02</a:t>
+              <a:t>2022-06-03</a:t>
             </a:fld>
             <a:endParaRPr lang="ko-KR" altLang="en-US">
               <a:solidFill>
@@ -6790,7 +6796,7 @@
                 </a:solidFill>
               </a:rPr>
               <a:pPr/>
-              <a:t>2022-06-02</a:t>
+              <a:t>2022-06-03</a:t>
             </a:fld>
             <a:endParaRPr lang="ko-KR" altLang="en-US">
               <a:solidFill>
@@ -7110,7 +7116,7 @@
                 </a:solidFill>
               </a:rPr>
               <a:pPr/>
-              <a:t>2022-06-02</a:t>
+              <a:t>2022-06-03</a:t>
             </a:fld>
             <a:endParaRPr lang="ko-KR" altLang="en-US">
               <a:solidFill>
@@ -7383,7 +7389,7 @@
                 </a:solidFill>
               </a:rPr>
               <a:pPr/>
-              <a:t>2022-06-02</a:t>
+              <a:t>2022-06-03</a:t>
             </a:fld>
             <a:endParaRPr lang="ko-KR" altLang="en-US">
               <a:solidFill>
@@ -7984,7 +7990,7 @@
                 <a:latin typeface="맑은 고딕" charset="0"/>
                 <a:ea typeface="맑은 고딕" charset="0"/>
               </a:rPr>
-              <a:t>2022-06-02</a:t>
+              <a:t>2022-06-03</a:t>
             </a:fld>
             <a:endParaRPr lang="ko-KR" altLang="en-US">
               <a:solidFill>
@@ -8714,11 +8720,7 @@
             </a:pPr>
             <a:r>
               <a:rPr lang="en-US" altLang="ko-KR" sz="2800" dirty="0" smtClean="0"/>
-              <a:t>- BIT</a:t>
-            </a:r>
-            <a:r>
-              <a:rPr lang="en-US" altLang="ko-KR" sz="2800" dirty="0" smtClean="0"/>
-              <a:t>(</a:t>
+              <a:t>- BIT(</a:t>
             </a:r>
             <a:r>
               <a:rPr lang="ko-KR" altLang="en-US" sz="2800" dirty="0" smtClean="0"/>
@@ -8726,19 +8728,11 @@
             </a:r>
             <a:r>
               <a:rPr lang="en-US" altLang="ko-KR" sz="2800" dirty="0" smtClean="0"/>
-              <a:t>) : </a:t>
-            </a:r>
-            <a:r>
-              <a:rPr lang="en-US" altLang="ko-KR" sz="2800" dirty="0" smtClean="0"/>
-              <a:t>1~64 </a:t>
+              <a:t>) : 1~64 </a:t>
             </a:r>
             <a:r>
               <a:rPr lang="ko-KR" altLang="en-US" sz="2800" dirty="0" smtClean="0"/>
-              <a:t>까지 </a:t>
-            </a:r>
-            <a:r>
-              <a:rPr lang="ko-KR" altLang="en-US" sz="2800" dirty="0" smtClean="0"/>
-              <a:t>사용가능</a:t>
+              <a:t>까지 사용가능</a:t>
             </a:r>
             <a:r>
               <a:rPr lang="en-US" altLang="ko-KR" sz="2800" dirty="0" smtClean="0"/>
@@ -8837,7 +8831,6 @@
               <a:rPr lang="en-US" altLang="ko-KR" sz="2800" dirty="0" smtClean="0"/>
               <a:t>)</a:t>
             </a:r>
-            <a:endParaRPr lang="en-US" altLang="ko-KR" sz="2800" dirty="0" smtClean="0"/>
           </a:p>
           <a:p>
             <a:pPr>
@@ -9104,7 +9097,6 @@
               <a:rPr lang="en-US" altLang="ko-KR" sz="2800" dirty="0" smtClean="0"/>
               <a:t>)</a:t>
             </a:r>
-            <a:endParaRPr lang="en-US" altLang="ko-KR" sz="2800" dirty="0" smtClean="0"/>
           </a:p>
           <a:p>
             <a:pPr>
@@ -9244,15 +9236,7 @@
             </a:pPr>
             <a:r>
               <a:rPr lang="en-US" altLang="ko-KR" sz="2800" dirty="0" smtClean="0"/>
-              <a:t>- </a:t>
-            </a:r>
-            <a:r>
-              <a:rPr lang="en-US" altLang="ko-KR" sz="2800" dirty="0" smtClean="0"/>
-              <a:t>DOUBLE</a:t>
-            </a:r>
-            <a:r>
-              <a:rPr lang="en-US" altLang="ko-KR" sz="2800" dirty="0" smtClean="0"/>
-              <a:t>(</a:t>
+              <a:t>- DOUBLE(</a:t>
             </a:r>
             <a:r>
               <a:rPr lang="ko-KR" altLang="en-US" sz="2800" dirty="0" smtClean="0"/>
@@ -9306,6 +9290,864 @@
     <p:extLst>
       <p:ext uri="{BB962C8B-B14F-4D97-AF65-F5344CB8AC3E}">
         <p14:creationId xmlns:p14="http://schemas.microsoft.com/office/powerpoint/2010/main" val="633889054"/>
+      </p:ext>
+    </p:extLst>
+  </p:cSld>
+  <p:clrMapOvr>
+    <a:masterClrMapping/>
+  </p:clrMapOvr>
+</p:sld>
+</file>
+
+<file path=ppt/slides/slide6.xml><?xml version="1.0" encoding="utf-8"?>
+<p:sld xmlns:a="http://schemas.openxmlformats.org/drawingml/2006/main" xmlns:r="http://schemas.openxmlformats.org/officeDocument/2006/relationships" xmlns:p="http://schemas.openxmlformats.org/presentationml/2006/main">
+  <p:cSld>
+    <p:spTree>
+      <p:nvGrpSpPr>
+        <p:cNvPr id="1" name=""/>
+        <p:cNvGrpSpPr/>
+        <p:nvPr/>
+      </p:nvGrpSpPr>
+      <p:grpSpPr>
+        <a:xfrm>
+          <a:off x="0" y="0"/>
+          <a:ext cx="0" cy="0"/>
+          <a:chOff x="0" y="0"/>
+          <a:chExt cx="0" cy="0"/>
+        </a:xfrm>
+      </p:grpSpPr>
+      <p:sp>
+        <p:nvSpPr>
+          <p:cNvPr id="2" name="도형 17">
+            <a:extLst>
+              <a:ext uri="{FF2B5EF4-FFF2-40B4-BE49-F238E27FC236}">
+                <a16:creationId xmlns:a16="http://schemas.microsoft.com/office/drawing/2014/main" id="{F929D523-6D34-F218-B256-93C89DF0A111}"/>
+              </a:ext>
+            </a:extLst>
+          </p:cNvPr>
+          <p:cNvSpPr>
+            <a:spLocks/>
+          </p:cNvSpPr>
+          <p:nvPr/>
+        </p:nvSpPr>
+        <p:spPr>
+          <a:xfrm>
+            <a:off x="765868" y="316230"/>
+            <a:ext cx="1420582" cy="454292"/>
+          </a:xfrm>
+          <a:prstGeom prst="rect">
+            <a:avLst/>
+          </a:prstGeom>
+          <a:ln w="0">
+            <a:noFill/>
+            <a:prstDash/>
+          </a:ln>
+        </p:spPr>
+        <p:txBody>
+          <a:bodyPr vert="horz" wrap="none" lIns="91440" tIns="45720" rIns="91440" bIns="45720" numCol="1" anchor="t">
+            <a:spAutoFit/>
+          </a:bodyPr>
+          <a:lstStyle/>
+          <a:p>
+            <a:pPr marL="0" indent="0" latinLnBrk="0">
+              <a:lnSpc>
+                <a:spcPct val="150000"/>
+              </a:lnSpc>
+              <a:buFontTx/>
+              <a:buNone/>
+            </a:pPr>
+            <a:r>
+              <a:rPr lang="ko-KR" altLang="en-US" b="1" dirty="0">
+                <a:solidFill>
+                  <a:srgbClr val="FFFFFF"/>
+                </a:solidFill>
+              </a:rPr>
+              <a:t>데이터 타입</a:t>
+            </a:r>
+            <a:endParaRPr lang="ko-KR" altLang="en-US" dirty="0"/>
+          </a:p>
+        </p:txBody>
+      </p:sp>
+      <p:sp>
+        <p:nvSpPr>
+          <p:cNvPr id="3" name="TextBox 2">
+            <a:extLst>
+              <a:ext uri="{FF2B5EF4-FFF2-40B4-BE49-F238E27FC236}">
+                <a16:creationId xmlns:a16="http://schemas.microsoft.com/office/drawing/2014/main" id="{0EEEFCAE-4A3E-89E5-A09D-D5F3296D5778}"/>
+              </a:ext>
+            </a:extLst>
+          </p:cNvPr>
+          <p:cNvSpPr txBox="1"/>
+          <p:nvPr/>
+        </p:nvSpPr>
+        <p:spPr>
+          <a:xfrm>
+            <a:off x="3860800" y="132851"/>
+            <a:ext cx="6096000" cy="646331"/>
+          </a:xfrm>
+          <a:prstGeom prst="rect">
+            <a:avLst/>
+          </a:prstGeom>
+          <a:noFill/>
+        </p:spPr>
+        <p:txBody>
+          <a:bodyPr wrap="square">
+            <a:spAutoFit/>
+          </a:bodyPr>
+          <a:lstStyle/>
+          <a:p>
+            <a:pPr>
+              <a:lnSpc>
+                <a:spcPct val="200000"/>
+              </a:lnSpc>
+            </a:pPr>
+            <a:r>
+              <a:rPr lang="en-US" altLang="ko-KR" dirty="0" smtClean="0"/>
+              <a:t>2</a:t>
+            </a:r>
+            <a:r>
+              <a:rPr lang="en-US" altLang="ko-KR" sz="1800" dirty="0" smtClean="0"/>
+              <a:t>. </a:t>
+            </a:r>
+            <a:r>
+              <a:rPr lang="ko-KR" altLang="en-US" sz="1800" dirty="0" err="1" smtClean="0"/>
+              <a:t>날짜형</a:t>
+            </a:r>
+            <a:r>
+              <a:rPr lang="ko-KR" altLang="en-US" sz="1800" dirty="0" smtClean="0"/>
+              <a:t> 데이터 타입</a:t>
+            </a:r>
+            <a:endParaRPr lang="en-US" altLang="ko-KR" sz="1800" dirty="0"/>
+          </a:p>
+        </p:txBody>
+      </p:sp>
+      <p:pic>
+        <p:nvPicPr>
+          <p:cNvPr id="5" name="그림 4"/>
+          <p:cNvPicPr>
+            <a:picLocks noChangeAspect="1"/>
+          </p:cNvPicPr>
+          <p:nvPr/>
+        </p:nvPicPr>
+        <p:blipFill>
+          <a:blip r:embed="rId2"/>
+          <a:stretch>
+            <a:fillRect/>
+          </a:stretch>
+        </p:blipFill>
+        <p:spPr>
+          <a:xfrm>
+            <a:off x="567418" y="1401611"/>
+            <a:ext cx="4372585" cy="1886213"/>
+          </a:xfrm>
+          <a:prstGeom prst="rect">
+            <a:avLst/>
+          </a:prstGeom>
+        </p:spPr>
+      </p:pic>
+      <p:sp>
+        <p:nvSpPr>
+          <p:cNvPr id="6" name="TextBox 5">
+            <a:extLst>
+              <a:ext uri="{FF2B5EF4-FFF2-40B4-BE49-F238E27FC236}">
+                <a16:creationId xmlns:a16="http://schemas.microsoft.com/office/drawing/2014/main" id="{1CC241C2-DDDC-E733-CE93-1EFF96B64712}"/>
+              </a:ext>
+            </a:extLst>
+          </p:cNvPr>
+          <p:cNvSpPr txBox="1"/>
+          <p:nvPr/>
+        </p:nvSpPr>
+        <p:spPr>
+          <a:xfrm>
+            <a:off x="567418" y="3287824"/>
+            <a:ext cx="11252200" cy="3323987"/>
+          </a:xfrm>
+          <a:prstGeom prst="rect">
+            <a:avLst/>
+          </a:prstGeom>
+          <a:noFill/>
+        </p:spPr>
+        <p:txBody>
+          <a:bodyPr wrap="square">
+            <a:spAutoFit/>
+          </a:bodyPr>
+          <a:lstStyle/>
+          <a:p>
+            <a:pPr>
+              <a:lnSpc>
+                <a:spcPct val="150000"/>
+              </a:lnSpc>
+            </a:pPr>
+            <a:r>
+              <a:rPr lang="en-US" altLang="ko-KR" sz="2800" dirty="0" smtClean="0"/>
+              <a:t>- </a:t>
+            </a:r>
+            <a:r>
+              <a:rPr lang="en-US" altLang="ko-KR" sz="2800" dirty="0"/>
+              <a:t>DATE : '1000-01-01'~ </a:t>
+            </a:r>
+            <a:r>
+              <a:rPr lang="en-US" altLang="ko-KR" sz="2800" dirty="0" smtClean="0"/>
+              <a:t>'9999-12-31‘(YYYY-MM-DD)</a:t>
+            </a:r>
+          </a:p>
+          <a:p>
+            <a:pPr>
+              <a:lnSpc>
+                <a:spcPct val="150000"/>
+              </a:lnSpc>
+            </a:pPr>
+            <a:r>
+              <a:rPr lang="en-US" altLang="ko-KR" sz="2800" dirty="0"/>
+              <a:t>- DATETIME : '1000-01-01 00:00:00.000000</a:t>
+            </a:r>
+            <a:r>
+              <a:rPr lang="en-US" altLang="ko-KR" sz="2800" dirty="0" smtClean="0"/>
+              <a:t>'~'9999-12-31 </a:t>
+            </a:r>
+            <a:r>
+              <a:rPr lang="en-US" altLang="ko-KR" sz="2800" dirty="0"/>
+              <a:t>23:59:59.999999‘(YYYY-MM-DD </a:t>
+            </a:r>
+            <a:r>
+              <a:rPr lang="en-US" altLang="ko-KR" sz="2800" dirty="0" err="1" smtClean="0"/>
+              <a:t>hh:mm:ss</a:t>
+            </a:r>
+            <a:r>
+              <a:rPr lang="en-US" altLang="ko-KR" sz="2800" dirty="0" smtClean="0"/>
+              <a:t>)</a:t>
+            </a:r>
+          </a:p>
+          <a:p>
+            <a:pPr>
+              <a:lnSpc>
+                <a:spcPct val="150000"/>
+              </a:lnSpc>
+            </a:pPr>
+            <a:r>
+              <a:rPr lang="en-US" altLang="ko-KR" sz="2800" dirty="0"/>
+              <a:t>- TIMESTAMP : '1970-01-01 </a:t>
+            </a:r>
+            <a:r>
+              <a:rPr lang="en-US" altLang="ko-KR" sz="2800" dirty="0" smtClean="0"/>
+              <a:t>00:00:01.000000'UTC~'2038-01-19 03:14:07.999999'UTC (</a:t>
+            </a:r>
+            <a:r>
+              <a:rPr lang="en-US" altLang="ko-KR" b="1" dirty="0" smtClean="0"/>
+              <a:t>Coordinated </a:t>
+            </a:r>
+            <a:r>
+              <a:rPr lang="en-US" altLang="ko-KR" b="1" dirty="0"/>
+              <a:t>Universal Time (UTC), UTC +</a:t>
+            </a:r>
+            <a:r>
+              <a:rPr lang="en-US" altLang="ko-KR" b="1" dirty="0" smtClean="0"/>
+              <a:t>0</a:t>
+            </a:r>
+            <a:r>
+              <a:rPr lang="en-US" altLang="ko-KR" dirty="0"/>
+              <a:t> </a:t>
+            </a:r>
+            <a:r>
+              <a:rPr lang="en-US" altLang="ko-KR" sz="2800" dirty="0" smtClean="0"/>
+              <a:t>)</a:t>
+            </a:r>
+            <a:endParaRPr lang="en-US" altLang="ko-KR" sz="2000" b="1" dirty="0"/>
+          </a:p>
+        </p:txBody>
+      </p:sp>
+    </p:spTree>
+    <p:extLst>
+      <p:ext uri="{BB962C8B-B14F-4D97-AF65-F5344CB8AC3E}">
+        <p14:creationId xmlns:p14="http://schemas.microsoft.com/office/powerpoint/2010/main" val="2783879150"/>
+      </p:ext>
+    </p:extLst>
+  </p:cSld>
+  <p:clrMapOvr>
+    <a:masterClrMapping/>
+  </p:clrMapOvr>
+</p:sld>
+</file>
+
+<file path=ppt/slides/slide7.xml><?xml version="1.0" encoding="utf-8"?>
+<p:sld xmlns:a="http://schemas.openxmlformats.org/drawingml/2006/main" xmlns:r="http://schemas.openxmlformats.org/officeDocument/2006/relationships" xmlns:p="http://schemas.openxmlformats.org/presentationml/2006/main">
+  <p:cSld>
+    <p:spTree>
+      <p:nvGrpSpPr>
+        <p:cNvPr id="1" name=""/>
+        <p:cNvGrpSpPr/>
+        <p:nvPr/>
+      </p:nvGrpSpPr>
+      <p:grpSpPr>
+        <a:xfrm>
+          <a:off x="0" y="0"/>
+          <a:ext cx="0" cy="0"/>
+          <a:chOff x="0" y="0"/>
+          <a:chExt cx="0" cy="0"/>
+        </a:xfrm>
+      </p:grpSpPr>
+      <p:sp>
+        <p:nvSpPr>
+          <p:cNvPr id="2" name="도형 17">
+            <a:extLst>
+              <a:ext uri="{FF2B5EF4-FFF2-40B4-BE49-F238E27FC236}">
+                <a16:creationId xmlns:a16="http://schemas.microsoft.com/office/drawing/2014/main" id="{F929D523-6D34-F218-B256-93C89DF0A111}"/>
+              </a:ext>
+            </a:extLst>
+          </p:cNvPr>
+          <p:cNvSpPr>
+            <a:spLocks/>
+          </p:cNvSpPr>
+          <p:nvPr/>
+        </p:nvSpPr>
+        <p:spPr>
+          <a:xfrm>
+            <a:off x="765868" y="316230"/>
+            <a:ext cx="1420582" cy="454292"/>
+          </a:xfrm>
+          <a:prstGeom prst="rect">
+            <a:avLst/>
+          </a:prstGeom>
+          <a:ln w="0">
+            <a:noFill/>
+            <a:prstDash/>
+          </a:ln>
+        </p:spPr>
+        <p:txBody>
+          <a:bodyPr vert="horz" wrap="none" lIns="91440" tIns="45720" rIns="91440" bIns="45720" numCol="1" anchor="t">
+            <a:spAutoFit/>
+          </a:bodyPr>
+          <a:lstStyle/>
+          <a:p>
+            <a:pPr marL="0" indent="0" latinLnBrk="0">
+              <a:lnSpc>
+                <a:spcPct val="150000"/>
+              </a:lnSpc>
+              <a:buFontTx/>
+              <a:buNone/>
+            </a:pPr>
+            <a:r>
+              <a:rPr lang="ko-KR" altLang="en-US" b="1" dirty="0">
+                <a:solidFill>
+                  <a:srgbClr val="FFFFFF"/>
+                </a:solidFill>
+              </a:rPr>
+              <a:t>데이터 타입</a:t>
+            </a:r>
+            <a:endParaRPr lang="ko-KR" altLang="en-US" dirty="0"/>
+          </a:p>
+        </p:txBody>
+      </p:sp>
+      <p:sp>
+        <p:nvSpPr>
+          <p:cNvPr id="3" name="TextBox 2">
+            <a:extLst>
+              <a:ext uri="{FF2B5EF4-FFF2-40B4-BE49-F238E27FC236}">
+                <a16:creationId xmlns:a16="http://schemas.microsoft.com/office/drawing/2014/main" id="{0EEEFCAE-4A3E-89E5-A09D-D5F3296D5778}"/>
+              </a:ext>
+            </a:extLst>
+          </p:cNvPr>
+          <p:cNvSpPr txBox="1"/>
+          <p:nvPr/>
+        </p:nvSpPr>
+        <p:spPr>
+          <a:xfrm>
+            <a:off x="3860800" y="132851"/>
+            <a:ext cx="6096000" cy="646331"/>
+          </a:xfrm>
+          <a:prstGeom prst="rect">
+            <a:avLst/>
+          </a:prstGeom>
+          <a:noFill/>
+        </p:spPr>
+        <p:txBody>
+          <a:bodyPr wrap="square">
+            <a:spAutoFit/>
+          </a:bodyPr>
+          <a:lstStyle/>
+          <a:p>
+            <a:pPr>
+              <a:lnSpc>
+                <a:spcPct val="200000"/>
+              </a:lnSpc>
+            </a:pPr>
+            <a:r>
+              <a:rPr lang="en-US" altLang="ko-KR" dirty="0" smtClean="0"/>
+              <a:t>2</a:t>
+            </a:r>
+            <a:r>
+              <a:rPr lang="en-US" altLang="ko-KR" sz="1800" dirty="0" smtClean="0"/>
+              <a:t>. </a:t>
+            </a:r>
+            <a:r>
+              <a:rPr lang="ko-KR" altLang="en-US" sz="1800" dirty="0" err="1" smtClean="0"/>
+              <a:t>날짜형</a:t>
+            </a:r>
+            <a:r>
+              <a:rPr lang="ko-KR" altLang="en-US" sz="1800" dirty="0" smtClean="0"/>
+              <a:t> 데이터 타입</a:t>
+            </a:r>
+            <a:endParaRPr lang="en-US" altLang="ko-KR" sz="1800" dirty="0"/>
+          </a:p>
+        </p:txBody>
+      </p:sp>
+      <p:sp>
+        <p:nvSpPr>
+          <p:cNvPr id="6" name="TextBox 5">
+            <a:extLst>
+              <a:ext uri="{FF2B5EF4-FFF2-40B4-BE49-F238E27FC236}">
+                <a16:creationId xmlns:a16="http://schemas.microsoft.com/office/drawing/2014/main" id="{1CC241C2-DDDC-E733-CE93-1EFF96B64712}"/>
+              </a:ext>
+            </a:extLst>
+          </p:cNvPr>
+          <p:cNvSpPr txBox="1"/>
+          <p:nvPr/>
+        </p:nvSpPr>
+        <p:spPr>
+          <a:xfrm>
+            <a:off x="567418" y="1280348"/>
+            <a:ext cx="11252200" cy="2677656"/>
+          </a:xfrm>
+          <a:prstGeom prst="rect">
+            <a:avLst/>
+          </a:prstGeom>
+          <a:noFill/>
+        </p:spPr>
+        <p:txBody>
+          <a:bodyPr wrap="square">
+            <a:spAutoFit/>
+          </a:bodyPr>
+          <a:lstStyle/>
+          <a:p>
+            <a:pPr>
+              <a:lnSpc>
+                <a:spcPct val="150000"/>
+              </a:lnSpc>
+            </a:pPr>
+            <a:r>
+              <a:rPr lang="en-US" altLang="ko-KR" sz="2800" dirty="0" smtClean="0"/>
+              <a:t>- TIME </a:t>
+            </a:r>
+            <a:r>
+              <a:rPr lang="en-US" altLang="ko-KR" sz="2800" dirty="0"/>
+              <a:t>: '-838:59:59.000000'~</a:t>
+            </a:r>
+            <a:r>
+              <a:rPr lang="en-US" altLang="ko-KR" sz="2800" dirty="0" smtClean="0"/>
+              <a:t>'838:59:59.000000‘ (‘</a:t>
+            </a:r>
+            <a:r>
+              <a:rPr lang="en-US" altLang="ko-KR" sz="2800" dirty="0" err="1" smtClean="0"/>
+              <a:t>hh:mm:ss</a:t>
+            </a:r>
+            <a:r>
+              <a:rPr lang="en-US" altLang="ko-KR" sz="2800" dirty="0" smtClean="0"/>
+              <a:t>’)</a:t>
+            </a:r>
+          </a:p>
+          <a:p>
+            <a:pPr>
+              <a:lnSpc>
+                <a:spcPct val="150000"/>
+              </a:lnSpc>
+            </a:pPr>
+            <a:r>
+              <a:rPr lang="en-US" altLang="ko-KR" sz="2800" dirty="0"/>
+              <a:t>- </a:t>
+            </a:r>
+            <a:r>
+              <a:rPr lang="en-US" altLang="ko-KR" sz="2800" dirty="0" smtClean="0"/>
+              <a:t>YEAR : 1901~2155(</a:t>
+            </a:r>
+            <a:r>
+              <a:rPr lang="en-US" altLang="ko-KR" sz="2800" dirty="0" err="1" smtClean="0"/>
+              <a:t>yyyy</a:t>
+            </a:r>
+            <a:r>
+              <a:rPr lang="en-US" altLang="ko-KR" sz="2800" dirty="0"/>
+              <a:t>)</a:t>
+            </a:r>
+            <a:endParaRPr lang="en-US" altLang="ko-KR" sz="2800" dirty="0" smtClean="0"/>
+          </a:p>
+          <a:p>
+            <a:pPr>
+              <a:lnSpc>
+                <a:spcPct val="150000"/>
+              </a:lnSpc>
+            </a:pPr>
+            <a:r>
+              <a:rPr lang="en-US" altLang="ko-KR" sz="2800" dirty="0"/>
+              <a:t>- TIMESTAMP : '1970-01-01 </a:t>
+            </a:r>
+            <a:r>
+              <a:rPr lang="en-US" altLang="ko-KR" sz="2800" dirty="0" smtClean="0"/>
+              <a:t>00:00:01.000000'UTC~'2038-01-19 03:14:07.999999'UTC (</a:t>
+            </a:r>
+            <a:r>
+              <a:rPr lang="en-US" altLang="ko-KR" b="1" dirty="0" smtClean="0"/>
+              <a:t>Coordinated </a:t>
+            </a:r>
+            <a:r>
+              <a:rPr lang="en-US" altLang="ko-KR" b="1" dirty="0"/>
+              <a:t>Universal Time (UTC), UTC +</a:t>
+            </a:r>
+            <a:r>
+              <a:rPr lang="en-US" altLang="ko-KR" b="1" dirty="0" smtClean="0"/>
+              <a:t>0</a:t>
+            </a:r>
+            <a:r>
+              <a:rPr lang="en-US" altLang="ko-KR" dirty="0"/>
+              <a:t> </a:t>
+            </a:r>
+            <a:r>
+              <a:rPr lang="en-US" altLang="ko-KR" sz="2800" dirty="0" smtClean="0"/>
+              <a:t>)</a:t>
+            </a:r>
+            <a:endParaRPr lang="en-US" altLang="ko-KR" sz="2000" b="1" dirty="0"/>
+          </a:p>
+        </p:txBody>
+      </p:sp>
+    </p:spTree>
+    <p:extLst>
+      <p:ext uri="{BB962C8B-B14F-4D97-AF65-F5344CB8AC3E}">
+        <p14:creationId xmlns:p14="http://schemas.microsoft.com/office/powerpoint/2010/main" val="3433552907"/>
+      </p:ext>
+    </p:extLst>
+  </p:cSld>
+  <p:clrMapOvr>
+    <a:masterClrMapping/>
+  </p:clrMapOvr>
+</p:sld>
+</file>
+
+<file path=ppt/slides/slide8.xml><?xml version="1.0" encoding="utf-8"?>
+<p:sld xmlns:a="http://schemas.openxmlformats.org/drawingml/2006/main" xmlns:r="http://schemas.openxmlformats.org/officeDocument/2006/relationships" xmlns:p="http://schemas.openxmlformats.org/presentationml/2006/main">
+  <p:cSld>
+    <p:spTree>
+      <p:nvGrpSpPr>
+        <p:cNvPr id="1" name=""/>
+        <p:cNvGrpSpPr/>
+        <p:nvPr/>
+      </p:nvGrpSpPr>
+      <p:grpSpPr>
+        <a:xfrm>
+          <a:off x="0" y="0"/>
+          <a:ext cx="0" cy="0"/>
+          <a:chOff x="0" y="0"/>
+          <a:chExt cx="0" cy="0"/>
+        </a:xfrm>
+      </p:grpSpPr>
+      <p:sp>
+        <p:nvSpPr>
+          <p:cNvPr id="44" name="도형 17"/>
+          <p:cNvSpPr>
+            <a:spLocks/>
+          </p:cNvSpPr>
+          <p:nvPr/>
+        </p:nvSpPr>
+        <p:spPr>
+          <a:xfrm>
+            <a:off x="765868" y="316230"/>
+            <a:ext cx="1420582" cy="454292"/>
+          </a:xfrm>
+          <a:prstGeom prst="rect">
+            <a:avLst/>
+          </a:prstGeom>
+          <a:ln w="0">
+            <a:noFill/>
+            <a:prstDash/>
+          </a:ln>
+        </p:spPr>
+        <p:txBody>
+          <a:bodyPr vert="horz" wrap="none" lIns="91440" tIns="45720" rIns="91440" bIns="45720" numCol="1" anchor="t">
+            <a:spAutoFit/>
+          </a:bodyPr>
+          <a:lstStyle/>
+          <a:p>
+            <a:pPr marL="0" indent="0" latinLnBrk="0">
+              <a:lnSpc>
+                <a:spcPct val="150000"/>
+              </a:lnSpc>
+              <a:buFontTx/>
+              <a:buNone/>
+            </a:pPr>
+            <a:r>
+              <a:rPr lang="ko-KR" altLang="en-US" b="1" dirty="0">
+                <a:solidFill>
+                  <a:srgbClr val="FFFFFF"/>
+                </a:solidFill>
+              </a:rPr>
+              <a:t>데이터 타입</a:t>
+            </a:r>
+            <a:endParaRPr lang="ko-KR" altLang="en-US" dirty="0"/>
+          </a:p>
+        </p:txBody>
+      </p:sp>
+      <p:sp>
+        <p:nvSpPr>
+          <p:cNvPr id="7" name="TextBox 6">
+            <a:extLst>
+              <a:ext uri="{FF2B5EF4-FFF2-40B4-BE49-F238E27FC236}">
+                <a16:creationId xmlns:a16="http://schemas.microsoft.com/office/drawing/2014/main" id="{631A51BA-BAA3-ED5B-2F6F-4E0776E54E3A}"/>
+              </a:ext>
+            </a:extLst>
+          </p:cNvPr>
+          <p:cNvSpPr txBox="1"/>
+          <p:nvPr/>
+        </p:nvSpPr>
+        <p:spPr>
+          <a:xfrm>
+            <a:off x="3860800" y="132851"/>
+            <a:ext cx="6096000" cy="646331"/>
+          </a:xfrm>
+          <a:prstGeom prst="rect">
+            <a:avLst/>
+          </a:prstGeom>
+          <a:noFill/>
+        </p:spPr>
+        <p:txBody>
+          <a:bodyPr wrap="square">
+            <a:spAutoFit/>
+          </a:bodyPr>
+          <a:lstStyle/>
+          <a:p>
+            <a:pPr>
+              <a:lnSpc>
+                <a:spcPct val="200000"/>
+              </a:lnSpc>
+            </a:pPr>
+            <a:r>
+              <a:rPr lang="en-US" altLang="ko-KR" sz="1800" dirty="0" smtClean="0"/>
+              <a:t>3. </a:t>
+            </a:r>
+            <a:r>
+              <a:rPr lang="ko-KR" altLang="en-US" sz="1800" dirty="0" smtClean="0"/>
+              <a:t>문자형 </a:t>
+            </a:r>
+            <a:r>
+              <a:rPr lang="ko-KR" altLang="en-US" sz="1800" dirty="0"/>
+              <a:t>데이터 타입</a:t>
+            </a:r>
+            <a:endParaRPr lang="en-US" altLang="ko-KR" sz="1800" dirty="0"/>
+          </a:p>
+        </p:txBody>
+      </p:sp>
+      <p:sp>
+        <p:nvSpPr>
+          <p:cNvPr id="5" name="TextBox 4">
+            <a:extLst>
+              <a:ext uri="{FF2B5EF4-FFF2-40B4-BE49-F238E27FC236}">
+                <a16:creationId xmlns:a16="http://schemas.microsoft.com/office/drawing/2014/main" id="{1CC241C2-DDDC-E733-CE93-1EFF96B64712}"/>
+              </a:ext>
+            </a:extLst>
+          </p:cNvPr>
+          <p:cNvSpPr txBox="1"/>
+          <p:nvPr/>
+        </p:nvSpPr>
+        <p:spPr>
+          <a:xfrm>
+            <a:off x="584200" y="970688"/>
+            <a:ext cx="11252200" cy="4616648"/>
+          </a:xfrm>
+          <a:prstGeom prst="rect">
+            <a:avLst/>
+          </a:prstGeom>
+          <a:noFill/>
+        </p:spPr>
+        <p:txBody>
+          <a:bodyPr wrap="square">
+            <a:spAutoFit/>
+          </a:bodyPr>
+          <a:lstStyle/>
+          <a:p>
+            <a:pPr marL="457200" indent="-457200">
+              <a:lnSpc>
+                <a:spcPct val="150000"/>
+              </a:lnSpc>
+              <a:buFontTx/>
+              <a:buChar char="-"/>
+            </a:pPr>
+            <a:r>
+              <a:rPr lang="en-US" altLang="ko-KR" sz="2800" dirty="0" smtClean="0"/>
+              <a:t>CHAR(</a:t>
+            </a:r>
+            <a:r>
+              <a:rPr lang="ko-KR" altLang="en-US" sz="2800" dirty="0" smtClean="0"/>
+              <a:t>값</a:t>
+            </a:r>
+            <a:r>
+              <a:rPr lang="en-US" altLang="ko-KR" sz="2800" dirty="0" smtClean="0"/>
+              <a:t>) : ~255, </a:t>
+            </a:r>
+            <a:r>
+              <a:rPr lang="ko-KR" altLang="en-US" sz="2800" dirty="0" smtClean="0"/>
+              <a:t>오른쪽에 공백이 </a:t>
+            </a:r>
+            <a:r>
+              <a:rPr lang="ko-KR" altLang="en-US" sz="2800" dirty="0" err="1" smtClean="0"/>
+              <a:t>채워짐</a:t>
+            </a:r>
+            <a:endParaRPr lang="en-US" altLang="ko-KR" sz="2800" dirty="0" smtClean="0"/>
+          </a:p>
+          <a:p>
+            <a:pPr marL="457200" indent="-457200">
+              <a:lnSpc>
+                <a:spcPct val="150000"/>
+              </a:lnSpc>
+              <a:buFontTx/>
+              <a:buChar char="-"/>
+            </a:pPr>
+            <a:r>
+              <a:rPr lang="en-US" altLang="ko-KR" sz="2800" dirty="0" smtClean="0"/>
+              <a:t>VARCHAR(</a:t>
+            </a:r>
+            <a:r>
+              <a:rPr lang="ko-KR" altLang="en-US" sz="2800" dirty="0" smtClean="0"/>
+              <a:t>값</a:t>
+            </a:r>
+            <a:r>
+              <a:rPr lang="en-US" altLang="ko-KR" sz="2800" dirty="0" smtClean="0"/>
+              <a:t>) : ~65535, </a:t>
+            </a:r>
+            <a:r>
+              <a:rPr lang="ko-KR" altLang="en-US" sz="2800" dirty="0" err="1" smtClean="0"/>
+              <a:t>가변길이</a:t>
+            </a:r>
+            <a:endParaRPr lang="en-US" altLang="ko-KR" sz="2800" dirty="0" smtClean="0"/>
+          </a:p>
+          <a:p>
+            <a:pPr marL="457200" indent="-457200">
+              <a:lnSpc>
+                <a:spcPct val="150000"/>
+              </a:lnSpc>
+              <a:buFontTx/>
+              <a:buChar char="-"/>
+            </a:pPr>
+            <a:r>
+              <a:rPr lang="en-US" altLang="ko-KR" sz="2800" dirty="0" smtClean="0"/>
+              <a:t>BLOB : 65,535 </a:t>
+            </a:r>
+            <a:r>
+              <a:rPr lang="en-US" altLang="ko-KR" sz="2800" dirty="0"/>
+              <a:t>(2</a:t>
+            </a:r>
+            <a:r>
+              <a:rPr lang="en-US" altLang="ko-KR" sz="2800" b="1" baseline="30000" dirty="0"/>
+              <a:t>16</a:t>
+            </a:r>
+            <a:r>
+              <a:rPr lang="ko-KR" altLang="en-US" sz="2800" dirty="0"/>
+              <a:t> − </a:t>
+            </a:r>
+            <a:r>
+              <a:rPr lang="en-US" altLang="ko-KR" sz="2800" dirty="0"/>
+              <a:t>1</a:t>
+            </a:r>
+            <a:r>
+              <a:rPr lang="en-US" altLang="ko-KR" sz="2800" dirty="0" smtClean="0"/>
+              <a:t>)</a:t>
+            </a:r>
+            <a:endParaRPr lang="en-US" altLang="ko-KR" dirty="0" smtClean="0"/>
+          </a:p>
+          <a:p>
+            <a:pPr marL="457200" indent="-457200">
+              <a:lnSpc>
+                <a:spcPct val="150000"/>
+              </a:lnSpc>
+              <a:buFontTx/>
+              <a:buChar char="-"/>
+            </a:pPr>
+            <a:r>
+              <a:rPr lang="en-US" altLang="ko-KR" sz="2800" dirty="0" smtClean="0"/>
+              <a:t>TEXT </a:t>
+            </a:r>
+            <a:r>
+              <a:rPr lang="en-US" altLang="ko-KR" sz="2800" dirty="0"/>
+              <a:t>: 65,535 (2</a:t>
+            </a:r>
+            <a:r>
+              <a:rPr lang="en-US" altLang="ko-KR" sz="2800" b="1" baseline="30000" dirty="0"/>
+              <a:t>16</a:t>
+            </a:r>
+            <a:r>
+              <a:rPr lang="ko-KR" altLang="en-US" sz="2800" dirty="0"/>
+              <a:t> − </a:t>
+            </a:r>
+            <a:r>
+              <a:rPr lang="en-US" altLang="ko-KR" sz="2800" dirty="0"/>
+              <a:t>1)</a:t>
+            </a:r>
+          </a:p>
+          <a:p>
+            <a:pPr marL="457200" indent="-457200">
+              <a:lnSpc>
+                <a:spcPct val="150000"/>
+              </a:lnSpc>
+              <a:buFontTx/>
+              <a:buChar char="-"/>
+            </a:pPr>
+            <a:r>
+              <a:rPr lang="en-US" altLang="ko-KR" sz="2800" dirty="0" smtClean="0"/>
+              <a:t>LONGBLOB : 4,294,967,295(4</a:t>
+            </a:r>
+            <a:r>
+              <a:rPr lang="en-US" altLang="ko-KR" sz="2800" dirty="0" smtClean="0"/>
+              <a:t>GB(2</a:t>
+            </a:r>
+            <a:r>
+              <a:rPr lang="en-US" altLang="ko-KR" sz="2800" b="1" baseline="30000" dirty="0" smtClean="0"/>
+              <a:t>32</a:t>
+            </a:r>
+            <a:r>
+              <a:rPr lang="en-US" altLang="ko-KR" sz="2800" dirty="0" smtClean="0"/>
+              <a:t>-1))</a:t>
+            </a:r>
+          </a:p>
+          <a:p>
+            <a:pPr marL="457200" indent="-457200">
+              <a:lnSpc>
+                <a:spcPct val="150000"/>
+              </a:lnSpc>
+              <a:buFontTx/>
+              <a:buChar char="-"/>
+            </a:pPr>
+            <a:r>
+              <a:rPr lang="en-US" altLang="ko-KR" sz="2800" dirty="0" smtClean="0"/>
+              <a:t>LONGTEXT </a:t>
+            </a:r>
+            <a:r>
+              <a:rPr lang="en-US" altLang="ko-KR" sz="2800" dirty="0" smtClean="0"/>
+              <a:t>: </a:t>
+            </a:r>
+            <a:r>
+              <a:rPr lang="en-US" altLang="ko-KR" sz="2800" dirty="0"/>
+              <a:t>4,294,967,295(4GB(2</a:t>
+            </a:r>
+            <a:r>
+              <a:rPr lang="en-US" altLang="ko-KR" sz="2800" b="1" baseline="30000" dirty="0"/>
+              <a:t>32</a:t>
+            </a:r>
+            <a:r>
+              <a:rPr lang="en-US" altLang="ko-KR" sz="2800" dirty="0"/>
+              <a:t>-1))</a:t>
+            </a:r>
+          </a:p>
+          <a:p>
+            <a:pPr marL="457200" indent="-457200">
+              <a:lnSpc>
+                <a:spcPct val="150000"/>
+              </a:lnSpc>
+              <a:buFontTx/>
+              <a:buChar char="-"/>
+            </a:pPr>
+            <a:endParaRPr lang="en-US" altLang="ko-KR" sz="2800" dirty="0"/>
+          </a:p>
+        </p:txBody>
+      </p:sp>
+    </p:spTree>
+    <p:extLst>
+      <p:ext uri="{BB962C8B-B14F-4D97-AF65-F5344CB8AC3E}">
+        <p14:creationId xmlns:p14="http://schemas.microsoft.com/office/powerpoint/2010/main" val="418622126"/>
       </p:ext>
     </p:extLst>
   </p:cSld>
